--- a/database/slides/A_NEW_COMMANDMENT.pptx
+++ b/database/slides/A_NEW_COMMANDMENT.pptx
@@ -6,10 +6,12 @@
     <p:sldMasterId id="2147483671" r:id="rId2"/>
   </p:sldMasterIdLst>
   <p:notesMasterIdLst>
-    <p:notesMasterId r:id="rId4"/>
+    <p:notesMasterId r:id="rId6"/>
   </p:notesMasterIdLst>
   <p:sldIdLst>
-    <p:sldId id="256" r:id="rId3"/>
+    <p:sldId id="257" r:id="rId3"/>
+    <p:sldId id="258" r:id="rId4"/>
+    <p:sldId id="259" r:id="rId5"/>
   </p:sldIdLst>
   <p:sldSz cx="9144000" cy="6858000" type="screen4x3"/>
   <p:notesSz cx="6858000" cy="9144000"/>
@@ -259,6 +261,15 @@
     </p:ext>
   </p:extLst>
 </p:presentation>
+</file>
+
+<file path=ppt/revisionInfo.xml><?xml version="1.0" encoding="utf-8"?>
+<p1510:revInfo xmlns:a="http://schemas.openxmlformats.org/drawingml/2006/main" xmlns:r="http://schemas.openxmlformats.org/officeDocument/2006/relationships" xmlns:p1510="http://schemas.microsoft.com/office/powerpoint/2015/10/main">
+  <p1510:revLst>
+    <p1510:client id="{9B0782E4-E1D9-4757-8BFE-7B77208F2854}" v="4607" dt="2023-07-15T18:25:38.749"/>
+    <p1510:client id="{C6935B40-2631-408D-B708-E82C624CA34A}" v="14" dt="2023-06-08T07:05:58.114"/>
+  </p1510:revLst>
+</p1510:revInfo>
 </file>
 
 <file path=ppt/notesMasters/notesMaster1.xml><?xml version="1.0" encoding="utf-8"?>
@@ -755,7 +766,7 @@
             </a:pPr>
             <a:r>
               <a:rPr lang="en-US" dirty="0"/>
-              <a:t>RECEIPPT-TAGS:ACCLAMATION,COMMUNION,MAUNDY THURSDAY</a:t>
+              <a:t>RECEIPPT-TAGS:COMMUNION</a:t>
             </a:r>
             <a:endParaRPr dirty="0"/>
           </a:p>
@@ -803,6 +814,229 @@
         </p:spPr>
       </p:sp>
     </p:spTree>
+    <p:extLst>
+      <p:ext uri="{BB962C8B-B14F-4D97-AF65-F5344CB8AC3E}">
+        <p14:creationId xmlns:p14="http://schemas.microsoft.com/office/powerpoint/2010/main" val="308016153"/>
+      </p:ext>
+    </p:extLst>
+  </p:cSld>
+  <p:clrMapOvr>
+    <a:masterClrMapping/>
+  </p:clrMapOvr>
+</p:notes>
+</file>
+
+<file path=ppt/notesSlides/notesSlide2.xml><?xml version="1.0" encoding="utf-8"?>
+<p:notes xmlns:a="http://schemas.openxmlformats.org/drawingml/2006/main" xmlns:r="http://schemas.openxmlformats.org/officeDocument/2006/relationships" xmlns:p="http://schemas.openxmlformats.org/presentationml/2006/main" showMasterSp="0" showMasterPhAnim="0">
+  <p:cSld>
+    <p:spTree>
+      <p:nvGrpSpPr>
+        <p:cNvPr id="1" name="Shape 125"/>
+        <p:cNvGrpSpPr/>
+        <p:nvPr/>
+      </p:nvGrpSpPr>
+      <p:grpSpPr>
+        <a:xfrm>
+          <a:off x="0" y="0"/>
+          <a:ext cx="0" cy="0"/>
+          <a:chOff x="0" y="0"/>
+          <a:chExt cx="0" cy="0"/>
+        </a:xfrm>
+      </p:grpSpPr>
+      <p:sp>
+        <p:nvSpPr>
+          <p:cNvPr id="126" name="Google Shape;126;g24f3f32051f_0_87:notes"/>
+          <p:cNvSpPr txBox="1">
+            <a:spLocks noGrp="1"/>
+          </p:cNvSpPr>
+          <p:nvPr>
+            <p:ph type="body" idx="1"/>
+          </p:nvPr>
+        </p:nvSpPr>
+        <p:spPr>
+          <a:xfrm>
+            <a:off x="685800" y="4343400"/>
+            <a:ext cx="5486400" cy="4114800"/>
+          </a:xfrm>
+          <a:prstGeom prst="rect">
+            <a:avLst/>
+          </a:prstGeom>
+        </p:spPr>
+        <p:txBody>
+          <a:bodyPr spcFirstLastPara="1" wrap="square" lIns="91425" tIns="91425" rIns="91425" bIns="91425" anchor="t" anchorCtr="0">
+            <a:noAutofit/>
+          </a:bodyPr>
+          <a:lstStyle/>
+          <a:p>
+            <a:pPr marL="0" lvl="0" indent="0" algn="l" rtl="0">
+              <a:spcBef>
+                <a:spcPts val="0"/>
+              </a:spcBef>
+              <a:spcAft>
+                <a:spcPts val="0"/>
+              </a:spcAft>
+              <a:buNone/>
+            </a:pPr>
+            <a:endParaRPr dirty="0"/>
+          </a:p>
+        </p:txBody>
+      </p:sp>
+      <p:sp>
+        <p:nvSpPr>
+          <p:cNvPr id="127" name="Google Shape;127;g24f3f32051f_0_87:notes"/>
+          <p:cNvSpPr>
+            <a:spLocks noGrp="1" noRot="1" noChangeAspect="1"/>
+          </p:cNvSpPr>
+          <p:nvPr>
+            <p:ph type="sldImg" idx="2"/>
+          </p:nvPr>
+        </p:nvSpPr>
+        <p:spPr>
+          <a:xfrm>
+            <a:off x="1143000" y="685800"/>
+            <a:ext cx="4572000" cy="3429000"/>
+          </a:xfrm>
+          <a:custGeom>
+            <a:avLst/>
+            <a:gdLst/>
+            <a:ahLst/>
+            <a:cxnLst/>
+            <a:rect l="l" t="t" r="r" b="b"/>
+            <a:pathLst>
+              <a:path w="120000" h="120000" extrusionOk="0">
+                <a:moveTo>
+                  <a:pt x="0" y="0"/>
+                </a:moveTo>
+                <a:lnTo>
+                  <a:pt x="120000" y="0"/>
+                </a:lnTo>
+                <a:lnTo>
+                  <a:pt x="120000" y="120000"/>
+                </a:lnTo>
+                <a:lnTo>
+                  <a:pt x="0" y="120000"/>
+                </a:lnTo>
+                <a:close/>
+              </a:path>
+            </a:pathLst>
+          </a:custGeom>
+        </p:spPr>
+      </p:sp>
+    </p:spTree>
+    <p:extLst>
+      <p:ext uri="{BB962C8B-B14F-4D97-AF65-F5344CB8AC3E}">
+        <p14:creationId xmlns:p14="http://schemas.microsoft.com/office/powerpoint/2010/main" val="1145247514"/>
+      </p:ext>
+    </p:extLst>
+  </p:cSld>
+  <p:clrMapOvr>
+    <a:masterClrMapping/>
+  </p:clrMapOvr>
+</p:notes>
+</file>
+
+<file path=ppt/notesSlides/notesSlide3.xml><?xml version="1.0" encoding="utf-8"?>
+<p:notes xmlns:a="http://schemas.openxmlformats.org/drawingml/2006/main" xmlns:r="http://schemas.openxmlformats.org/officeDocument/2006/relationships" xmlns:p="http://schemas.openxmlformats.org/presentationml/2006/main" showMasterSp="0" showMasterPhAnim="0">
+  <p:cSld>
+    <p:spTree>
+      <p:nvGrpSpPr>
+        <p:cNvPr id="1" name="Shape 125"/>
+        <p:cNvGrpSpPr/>
+        <p:nvPr/>
+      </p:nvGrpSpPr>
+      <p:grpSpPr>
+        <a:xfrm>
+          <a:off x="0" y="0"/>
+          <a:ext cx="0" cy="0"/>
+          <a:chOff x="0" y="0"/>
+          <a:chExt cx="0" cy="0"/>
+        </a:xfrm>
+      </p:grpSpPr>
+      <p:sp>
+        <p:nvSpPr>
+          <p:cNvPr id="126" name="Google Shape;126;g24f3f32051f_0_87:notes"/>
+          <p:cNvSpPr txBox="1">
+            <a:spLocks noGrp="1"/>
+          </p:cNvSpPr>
+          <p:nvPr>
+            <p:ph type="body" idx="1"/>
+          </p:nvPr>
+        </p:nvSpPr>
+        <p:spPr>
+          <a:xfrm>
+            <a:off x="685800" y="4343400"/>
+            <a:ext cx="5486400" cy="4114800"/>
+          </a:xfrm>
+          <a:prstGeom prst="rect">
+            <a:avLst/>
+          </a:prstGeom>
+        </p:spPr>
+        <p:txBody>
+          <a:bodyPr spcFirstLastPara="1" wrap="square" lIns="91425" tIns="91425" rIns="91425" bIns="91425" anchor="t" anchorCtr="0">
+            <a:noAutofit/>
+          </a:bodyPr>
+          <a:lstStyle/>
+          <a:p>
+            <a:pPr marL="0" lvl="0" indent="0" algn="l" rtl="0">
+              <a:spcBef>
+                <a:spcPts val="0"/>
+              </a:spcBef>
+              <a:spcAft>
+                <a:spcPts val="0"/>
+              </a:spcAft>
+              <a:buNone/>
+            </a:pPr>
+            <a:endParaRPr dirty="0"/>
+          </a:p>
+        </p:txBody>
+      </p:sp>
+      <p:sp>
+        <p:nvSpPr>
+          <p:cNvPr id="127" name="Google Shape;127;g24f3f32051f_0_87:notes"/>
+          <p:cNvSpPr>
+            <a:spLocks noGrp="1" noRot="1" noChangeAspect="1"/>
+          </p:cNvSpPr>
+          <p:nvPr>
+            <p:ph type="sldImg" idx="2"/>
+          </p:nvPr>
+        </p:nvSpPr>
+        <p:spPr>
+          <a:xfrm>
+            <a:off x="1143000" y="685800"/>
+            <a:ext cx="4572000" cy="3429000"/>
+          </a:xfrm>
+          <a:custGeom>
+            <a:avLst/>
+            <a:gdLst/>
+            <a:ahLst/>
+            <a:cxnLst/>
+            <a:rect l="l" t="t" r="r" b="b"/>
+            <a:pathLst>
+              <a:path w="120000" h="120000" extrusionOk="0">
+                <a:moveTo>
+                  <a:pt x="0" y="0"/>
+                </a:moveTo>
+                <a:lnTo>
+                  <a:pt x="120000" y="0"/>
+                </a:lnTo>
+                <a:lnTo>
+                  <a:pt x="120000" y="120000"/>
+                </a:lnTo>
+                <a:lnTo>
+                  <a:pt x="0" y="120000"/>
+                </a:lnTo>
+                <a:close/>
+              </a:path>
+            </a:pathLst>
+          </a:custGeom>
+        </p:spPr>
+      </p:sp>
+    </p:spTree>
+    <p:extLst>
+      <p:ext uri="{BB962C8B-B14F-4D97-AF65-F5344CB8AC3E}">
+        <p14:creationId xmlns:p14="http://schemas.microsoft.com/office/powerpoint/2010/main" val="3559879589"/>
+      </p:ext>
+    </p:extLst>
   </p:cSld>
   <p:clrMapOvr>
     <a:masterClrMapping/>
@@ -15440,7 +15674,7 @@
             <a:r>
               <a:rPr lang="en-GB" sz="3200" b="1" u="sng" dirty="0">
                 <a:solidFill>
-                  <a:schemeClr val="lt1"/>
+                  <a:schemeClr val="bg1"/>
                 </a:solidFill>
               </a:rPr>
               <a:t>A NEW COMMANDMENT</a:t>
@@ -15478,42 +15712,196 @@
           <a:lstStyle/>
           <a:p>
             <a:pPr marL="114300" indent="0">
-              <a:spcBef>
-                <a:spcPts val="0"/>
-              </a:spcBef>
-              <a:buClr>
-                <a:srgbClr val="00FF00"/>
-              </a:buClr>
-              <a:buSzPts val="2000"/>
+              <a:lnSpc>
+                <a:spcPct val="100000"/>
+              </a:lnSpc>
+              <a:spcBef>
+                <a:spcPct val="0"/>
+              </a:spcBef>
+              <a:spcAft>
+                <a:spcPct val="0"/>
+              </a:spcAft>
+              <a:buNone/>
+            </a:pPr>
+            <a:r>
+              <a:rPr lang="en-GB" sz="4000" b="1" i="1" dirty="0">
+                <a:solidFill>
+                  <a:schemeClr val="bg1"/>
+                </a:solidFill>
+                <a:latin typeface="Calibri" panose="020F0502020204030204" pitchFamily="34" charset="0"/>
+                <a:ea typeface="Calibri" panose="020F0502020204030204" pitchFamily="34" charset="0"/>
+                <a:cs typeface="Calibri" panose="020F0502020204030204" pitchFamily="34" charset="0"/>
+              </a:rPr>
+              <a:t>A new commandment, I give unto you,</a:t>
+            </a:r>
+          </a:p>
+          <a:p>
+            <a:pPr marL="114300" indent="0">
+              <a:lnSpc>
+                <a:spcPct val="100000"/>
+              </a:lnSpc>
+              <a:spcBef>
+                <a:spcPct val="0"/>
+              </a:spcBef>
+              <a:spcAft>
+                <a:spcPct val="0"/>
+              </a:spcAft>
+              <a:buNone/>
+            </a:pPr>
+            <a:r>
+              <a:rPr lang="en-GB" sz="4000" b="1" i="1" dirty="0">
+                <a:solidFill>
+                  <a:schemeClr val="bg1"/>
+                </a:solidFill>
+                <a:latin typeface="Calibri" panose="020F0502020204030204" pitchFamily="34" charset="0"/>
+                <a:ea typeface="Calibri" panose="020F0502020204030204" pitchFamily="34" charset="0"/>
+                <a:cs typeface="Calibri" panose="020F0502020204030204" pitchFamily="34" charset="0"/>
+              </a:rPr>
+              <a:t>That you love one another,</a:t>
+            </a:r>
+          </a:p>
+          <a:p>
+            <a:pPr marL="114300" indent="0">
+              <a:lnSpc>
+                <a:spcPct val="100000"/>
+              </a:lnSpc>
+              <a:spcBef>
+                <a:spcPct val="0"/>
+              </a:spcBef>
+              <a:spcAft>
+                <a:spcPct val="0"/>
+              </a:spcAft>
+              <a:buNone/>
+            </a:pPr>
+            <a:r>
+              <a:rPr lang="en-GB" sz="4000" b="1" i="1" dirty="0">
+                <a:solidFill>
+                  <a:schemeClr val="bg1"/>
+                </a:solidFill>
+                <a:latin typeface="Calibri" panose="020F0502020204030204" pitchFamily="34" charset="0"/>
+                <a:ea typeface="Calibri" panose="020F0502020204030204" pitchFamily="34" charset="0"/>
+                <a:cs typeface="Calibri" panose="020F0502020204030204" pitchFamily="34" charset="0"/>
+              </a:rPr>
+              <a:t>as I have loved you (2)</a:t>
+            </a:r>
+          </a:p>
+          <a:p>
+            <a:pPr marL="114300" indent="0">
+              <a:lnSpc>
+                <a:spcPct val="100000"/>
+              </a:lnSpc>
+              <a:spcBef>
+                <a:spcPct val="0"/>
+              </a:spcBef>
+              <a:spcAft>
+                <a:spcPct val="0"/>
+              </a:spcAft>
+              <a:buNone/>
+            </a:pPr>
+            <a:endParaRPr lang="en-GB" sz="4000" b="1" i="1" dirty="0">
+              <a:solidFill>
+                <a:schemeClr val="bg1"/>
+              </a:solidFill>
+              <a:latin typeface="Calibri" panose="020F0502020204030204" pitchFamily="34" charset="0"/>
+              <a:ea typeface="Calibri" panose="020F0502020204030204" pitchFamily="34" charset="0"/>
+              <a:cs typeface="Calibri" panose="020F0502020204030204" pitchFamily="34" charset="0"/>
+            </a:endParaRPr>
+          </a:p>
+          <a:p>
+            <a:pPr marL="114300" indent="0">
+              <a:lnSpc>
+                <a:spcPct val="100000"/>
+              </a:lnSpc>
+              <a:spcBef>
+                <a:spcPct val="0"/>
+              </a:spcBef>
+              <a:spcAft>
+                <a:spcPct val="0"/>
+              </a:spcAft>
+              <a:buNone/>
+            </a:pPr>
+            <a:endParaRPr lang="en-GB" sz="4000" b="1" i="1" dirty="0">
+              <a:solidFill>
+                <a:schemeClr val="bg1"/>
+              </a:solidFill>
+              <a:latin typeface="Calibri" panose="020F0502020204030204" pitchFamily="34" charset="0"/>
+              <a:ea typeface="Calibri" panose="020F0502020204030204" pitchFamily="34" charset="0"/>
+              <a:cs typeface="Calibri" panose="020F0502020204030204" pitchFamily="34" charset="0"/>
+            </a:endParaRPr>
+          </a:p>
+          <a:p>
+            <a:pPr marL="114300" indent="0">
+              <a:lnSpc>
+                <a:spcPct val="100000"/>
+              </a:lnSpc>
+              <a:spcBef>
+                <a:spcPct val="0"/>
+              </a:spcBef>
+              <a:spcAft>
+                <a:spcPct val="0"/>
+              </a:spcAft>
               <a:buNone/>
             </a:pPr>
             <a:r>
               <a:rPr lang="en-GB" sz="4000" b="1" dirty="0">
                 <a:solidFill>
-                  <a:schemeClr val="lt1"/>
+                  <a:schemeClr val="bg1"/>
                 </a:solidFill>
+                <a:latin typeface="Calibri" panose="020F0502020204030204" pitchFamily="34" charset="0"/>
+                <a:ea typeface="Calibri" panose="020F0502020204030204" pitchFamily="34" charset="0"/>
+                <a:cs typeface="Calibri" panose="020F0502020204030204" pitchFamily="34" charset="0"/>
               </a:rPr>
-              <a:t>A new commandment, I give unto you</a:t>
+              <a:t>By this shall all know,</a:t>
             </a:r>
           </a:p>
           <a:p>
             <a:pPr marL="114300" indent="0">
-              <a:spcBef>
-                <a:spcPts val="0"/>
-              </a:spcBef>
-              <a:buClr>
-                <a:srgbClr val="00FF00"/>
-              </a:buClr>
-              <a:buSzPts val="2000"/>
+              <a:lnSpc>
+                <a:spcPct val="100000"/>
+              </a:lnSpc>
+              <a:spcBef>
+                <a:spcPct val="0"/>
+              </a:spcBef>
+              <a:spcAft>
+                <a:spcPct val="0"/>
+              </a:spcAft>
               <a:buNone/>
             </a:pPr>
             <a:r>
               <a:rPr lang="en-GB" sz="4000" b="1" dirty="0">
                 <a:solidFill>
-                  <a:schemeClr val="lt1"/>
+                  <a:schemeClr val="bg1"/>
                 </a:solidFill>
+                <a:latin typeface="Calibri" panose="020F0502020204030204" pitchFamily="34" charset="0"/>
+                <a:ea typeface="Calibri" panose="020F0502020204030204" pitchFamily="34" charset="0"/>
+                <a:cs typeface="Calibri" panose="020F0502020204030204" pitchFamily="34" charset="0"/>
               </a:rPr>
-              <a:t>That you love one another, as I have loved you (2)</a:t>
+              <a:t>that you are my disciples,</a:t>
+            </a:r>
+          </a:p>
+          <a:p>
+            <a:pPr marL="114300" indent="0">
+              <a:lnSpc>
+                <a:spcPct val="100000"/>
+              </a:lnSpc>
+              <a:spcBef>
+                <a:spcPct val="0"/>
+              </a:spcBef>
+              <a:spcAft>
+                <a:spcPct val="0"/>
+              </a:spcAft>
+              <a:buNone/>
+            </a:pPr>
+            <a:r>
+              <a:rPr lang="en-GB" sz="4000" b="1" dirty="0">
+                <a:solidFill>
+                  <a:schemeClr val="bg1"/>
+                </a:solidFill>
+                <a:latin typeface="Calibri" panose="020F0502020204030204" pitchFamily="34" charset="0"/>
+                <a:ea typeface="Calibri" panose="020F0502020204030204" pitchFamily="34" charset="0"/>
+                <a:cs typeface="Calibri" panose="020F0502020204030204" pitchFamily="34" charset="0"/>
+              </a:rPr>
+              <a:t>if you have love one for another.</a:t>
             </a:r>
           </a:p>
         </p:txBody>
@@ -15543,21 +15931,25 @@
           </a:bodyPr>
           <a:lstStyle/>
           <a:p>
-            <a:pPr marL="0" lvl="0" indent="0" algn="l" rtl="0">
-              <a:spcBef>
-                <a:spcPts val="0"/>
-              </a:spcBef>
-              <a:spcAft>
-                <a:spcPts val="0"/>
-              </a:spcAft>
+            <a:pPr>
               <a:buClr>
                 <a:schemeClr val="lt1"/>
               </a:buClr>
               <a:buSzPts val="3200"/>
-              <a:buFont typeface="Arial"/>
-              <a:buNone/>
             </a:pPr>
-            <a:endParaRPr sz="3600" dirty="0">
+            <a:r>
+              <a:rPr lang="en-GB" sz="3600" b="1" i="1" dirty="0">
+                <a:solidFill>
+                  <a:srgbClr val="FFFF00"/>
+                </a:solidFill>
+                <a:latin typeface="Calibri"/>
+                <a:ea typeface="Calibri"/>
+                <a:cs typeface="Calibri"/>
+                <a:sym typeface="Calibri"/>
+              </a:rPr>
+              <a:t>contd..</a:t>
+            </a:r>
+            <a:endParaRPr lang="en-GB" sz="3600" dirty="0">
               <a:latin typeface="Calibri"/>
               <a:ea typeface="Calibri"/>
               <a:cs typeface="Calibri"/>
@@ -15567,6 +15959,709 @@
         </p:txBody>
       </p:sp>
     </p:spTree>
+    <p:extLst>
+      <p:ext uri="{BB962C8B-B14F-4D97-AF65-F5344CB8AC3E}">
+        <p14:creationId xmlns:p14="http://schemas.microsoft.com/office/powerpoint/2010/main" val="3675278788"/>
+      </p:ext>
+    </p:extLst>
+  </p:cSld>
+  <p:clrMapOvr>
+    <a:masterClrMapping/>
+  </p:clrMapOvr>
+</p:sld>
+</file>
+
+<file path=ppt/slides/slide2.xml><?xml version="1.0" encoding="utf-8"?>
+<p:sld xmlns:a="http://schemas.openxmlformats.org/drawingml/2006/main" xmlns:r="http://schemas.openxmlformats.org/officeDocument/2006/relationships" xmlns:p="http://schemas.openxmlformats.org/presentationml/2006/main">
+  <p:cSld>
+    <p:bg>
+      <p:bgPr>
+        <a:solidFill>
+          <a:schemeClr val="dk1"/>
+        </a:solidFill>
+        <a:effectLst/>
+      </p:bgPr>
+    </p:bg>
+    <p:spTree>
+      <p:nvGrpSpPr>
+        <p:cNvPr id="1" name="Shape 128"/>
+        <p:cNvGrpSpPr/>
+        <p:nvPr/>
+      </p:nvGrpSpPr>
+      <p:grpSpPr>
+        <a:xfrm>
+          <a:off x="0" y="0"/>
+          <a:ext cx="0" cy="0"/>
+          <a:chOff x="0" y="0"/>
+          <a:chExt cx="0" cy="0"/>
+        </a:xfrm>
+      </p:grpSpPr>
+      <p:sp>
+        <p:nvSpPr>
+          <p:cNvPr id="129" name="Google Shape;129;p25"/>
+          <p:cNvSpPr txBox="1">
+            <a:spLocks noGrp="1"/>
+          </p:cNvSpPr>
+          <p:nvPr>
+            <p:ph type="title"/>
+          </p:nvPr>
+        </p:nvSpPr>
+        <p:spPr>
+          <a:xfrm>
+            <a:off x="61050" y="0"/>
+            <a:ext cx="9021900" cy="708300"/>
+          </a:xfrm>
+          <a:prstGeom prst="rect">
+            <a:avLst/>
+          </a:prstGeom>
+          <a:noFill/>
+          <a:ln>
+            <a:noFill/>
+          </a:ln>
+        </p:spPr>
+        <p:txBody>
+          <a:bodyPr spcFirstLastPara="1" wrap="square" lIns="91425" tIns="45700" rIns="91425" bIns="45700" anchor="ctr" anchorCtr="0">
+            <a:noAutofit/>
+          </a:bodyPr>
+          <a:lstStyle/>
+          <a:p>
+            <a:pPr marL="171450" algn="l"/>
+            <a:r>
+              <a:rPr lang="en-GB" sz="3200" b="1" u="sng" dirty="0">
+                <a:solidFill>
+                  <a:schemeClr val="bg1"/>
+                </a:solidFill>
+              </a:rPr>
+              <a:t>A NEW COMMANDMENT</a:t>
+            </a:r>
+          </a:p>
+        </p:txBody>
+      </p:sp>
+      <p:sp>
+        <p:nvSpPr>
+          <p:cNvPr id="130" name="Google Shape;130;p25"/>
+          <p:cNvSpPr txBox="1">
+            <a:spLocks noGrp="1"/>
+          </p:cNvSpPr>
+          <p:nvPr>
+            <p:ph type="body" idx="1"/>
+          </p:nvPr>
+        </p:nvSpPr>
+        <p:spPr>
+          <a:xfrm>
+            <a:off x="51350" y="762925"/>
+            <a:ext cx="9021900" cy="6039300"/>
+          </a:xfrm>
+          <a:prstGeom prst="rect">
+            <a:avLst/>
+          </a:prstGeom>
+          <a:noFill/>
+          <a:ln>
+            <a:noFill/>
+          </a:ln>
+        </p:spPr>
+        <p:txBody>
+          <a:bodyPr spcFirstLastPara="1" wrap="square" lIns="0" tIns="0" rIns="0" bIns="0" anchor="t" anchorCtr="0">
+            <a:noAutofit/>
+          </a:bodyPr>
+          <a:lstStyle/>
+          <a:p>
+            <a:pPr marL="114300" indent="0">
+              <a:lnSpc>
+                <a:spcPct val="100000"/>
+              </a:lnSpc>
+              <a:spcBef>
+                <a:spcPct val="0"/>
+              </a:spcBef>
+              <a:spcAft>
+                <a:spcPct val="0"/>
+              </a:spcAft>
+              <a:buNone/>
+            </a:pPr>
+            <a:r>
+              <a:rPr lang="en-GB" sz="4000" b="1" i="1" dirty="0">
+                <a:solidFill>
+                  <a:schemeClr val="bg1"/>
+                </a:solidFill>
+                <a:latin typeface="Calibri" panose="020F0502020204030204" pitchFamily="34" charset="0"/>
+                <a:ea typeface="Calibri" panose="020F0502020204030204" pitchFamily="34" charset="0"/>
+                <a:cs typeface="Calibri" panose="020F0502020204030204" pitchFamily="34" charset="0"/>
+              </a:rPr>
+              <a:t>A new commandment, I give unto you,</a:t>
+            </a:r>
+          </a:p>
+          <a:p>
+            <a:pPr marL="114300" indent="0">
+              <a:lnSpc>
+                <a:spcPct val="100000"/>
+              </a:lnSpc>
+              <a:spcBef>
+                <a:spcPct val="0"/>
+              </a:spcBef>
+              <a:spcAft>
+                <a:spcPct val="0"/>
+              </a:spcAft>
+              <a:buNone/>
+            </a:pPr>
+            <a:r>
+              <a:rPr lang="en-GB" sz="4000" b="1" i="1" dirty="0">
+                <a:solidFill>
+                  <a:schemeClr val="bg1"/>
+                </a:solidFill>
+                <a:latin typeface="Calibri" panose="020F0502020204030204" pitchFamily="34" charset="0"/>
+                <a:ea typeface="Calibri" panose="020F0502020204030204" pitchFamily="34" charset="0"/>
+                <a:cs typeface="Calibri" panose="020F0502020204030204" pitchFamily="34" charset="0"/>
+              </a:rPr>
+              <a:t>That you love one another,</a:t>
+            </a:r>
+          </a:p>
+          <a:p>
+            <a:pPr marL="114300" indent="0">
+              <a:lnSpc>
+                <a:spcPct val="100000"/>
+              </a:lnSpc>
+              <a:spcBef>
+                <a:spcPct val="0"/>
+              </a:spcBef>
+              <a:spcAft>
+                <a:spcPct val="0"/>
+              </a:spcAft>
+              <a:buNone/>
+            </a:pPr>
+            <a:r>
+              <a:rPr lang="en-GB" sz="4000" b="1" i="1" dirty="0">
+                <a:solidFill>
+                  <a:schemeClr val="bg1"/>
+                </a:solidFill>
+                <a:latin typeface="Calibri" panose="020F0502020204030204" pitchFamily="34" charset="0"/>
+                <a:ea typeface="Calibri" panose="020F0502020204030204" pitchFamily="34" charset="0"/>
+                <a:cs typeface="Calibri" panose="020F0502020204030204" pitchFamily="34" charset="0"/>
+              </a:rPr>
+              <a:t>as I have loved you (2)</a:t>
+            </a:r>
+          </a:p>
+          <a:p>
+            <a:pPr marL="114300" indent="0">
+              <a:lnSpc>
+                <a:spcPct val="100000"/>
+              </a:lnSpc>
+              <a:spcBef>
+                <a:spcPct val="0"/>
+              </a:spcBef>
+              <a:spcAft>
+                <a:spcPct val="0"/>
+              </a:spcAft>
+              <a:buNone/>
+            </a:pPr>
+            <a:endParaRPr lang="en-GB" sz="4000" b="1" i="1" dirty="0">
+              <a:solidFill>
+                <a:schemeClr val="bg1"/>
+              </a:solidFill>
+              <a:latin typeface="Calibri" panose="020F0502020204030204" pitchFamily="34" charset="0"/>
+              <a:ea typeface="Calibri" panose="020F0502020204030204" pitchFamily="34" charset="0"/>
+              <a:cs typeface="Calibri" panose="020F0502020204030204" pitchFamily="34" charset="0"/>
+            </a:endParaRPr>
+          </a:p>
+          <a:p>
+            <a:pPr marL="114300" indent="0">
+              <a:lnSpc>
+                <a:spcPct val="100000"/>
+              </a:lnSpc>
+              <a:spcBef>
+                <a:spcPct val="0"/>
+              </a:spcBef>
+              <a:spcAft>
+                <a:spcPct val="0"/>
+              </a:spcAft>
+              <a:buNone/>
+            </a:pPr>
+            <a:endParaRPr lang="en-GB" sz="4000" b="1" i="1" dirty="0">
+              <a:solidFill>
+                <a:schemeClr val="bg1"/>
+              </a:solidFill>
+              <a:latin typeface="Calibri" panose="020F0502020204030204" pitchFamily="34" charset="0"/>
+              <a:ea typeface="Calibri" panose="020F0502020204030204" pitchFamily="34" charset="0"/>
+              <a:cs typeface="Calibri" panose="020F0502020204030204" pitchFamily="34" charset="0"/>
+            </a:endParaRPr>
+          </a:p>
+          <a:p>
+            <a:pPr marL="114300" indent="0">
+              <a:lnSpc>
+                <a:spcPct val="100000"/>
+              </a:lnSpc>
+              <a:spcBef>
+                <a:spcPct val="0"/>
+              </a:spcBef>
+              <a:spcAft>
+                <a:spcPct val="0"/>
+              </a:spcAft>
+              <a:buNone/>
+            </a:pPr>
+            <a:r>
+              <a:rPr lang="en-GB" sz="4000" b="1" dirty="0">
+                <a:solidFill>
+                  <a:schemeClr val="bg1"/>
+                </a:solidFill>
+                <a:latin typeface="Calibri" panose="020F0502020204030204" pitchFamily="34" charset="0"/>
+                <a:ea typeface="Calibri" panose="020F0502020204030204" pitchFamily="34" charset="0"/>
+                <a:cs typeface="Calibri" panose="020F0502020204030204" pitchFamily="34" charset="0"/>
+              </a:rPr>
+              <a:t>You are my friends if </a:t>
+            </a:r>
+          </a:p>
+          <a:p>
+            <a:pPr marL="114300" indent="0">
+              <a:lnSpc>
+                <a:spcPct val="100000"/>
+              </a:lnSpc>
+              <a:spcBef>
+                <a:spcPct val="0"/>
+              </a:spcBef>
+              <a:spcAft>
+                <a:spcPct val="0"/>
+              </a:spcAft>
+              <a:buNone/>
+            </a:pPr>
+            <a:r>
+              <a:rPr lang="en-GB" sz="4000" b="1" dirty="0">
+                <a:solidFill>
+                  <a:schemeClr val="bg1"/>
+                </a:solidFill>
+                <a:latin typeface="Calibri" panose="020F0502020204030204" pitchFamily="34" charset="0"/>
+                <a:ea typeface="Calibri" panose="020F0502020204030204" pitchFamily="34" charset="0"/>
+                <a:cs typeface="Calibri" panose="020F0502020204030204" pitchFamily="34" charset="0"/>
+              </a:rPr>
+              <a:t>you do what I command you,</a:t>
+            </a:r>
+          </a:p>
+          <a:p>
+            <a:pPr marL="114300" indent="0">
+              <a:lnSpc>
+                <a:spcPct val="100000"/>
+              </a:lnSpc>
+              <a:spcBef>
+                <a:spcPct val="0"/>
+              </a:spcBef>
+              <a:spcAft>
+                <a:spcPct val="0"/>
+              </a:spcAft>
+              <a:buNone/>
+            </a:pPr>
+            <a:r>
+              <a:rPr lang="en-GB" sz="4000" b="1" dirty="0">
+                <a:solidFill>
+                  <a:schemeClr val="bg1"/>
+                </a:solidFill>
+                <a:latin typeface="Calibri" panose="020F0502020204030204" pitchFamily="34" charset="0"/>
+                <a:ea typeface="Calibri" panose="020F0502020204030204" pitchFamily="34" charset="0"/>
+                <a:cs typeface="Calibri" panose="020F0502020204030204" pitchFamily="34" charset="0"/>
+              </a:rPr>
+              <a:t>without my help you can do nothing.</a:t>
+            </a:r>
+          </a:p>
+        </p:txBody>
+      </p:sp>
+      <p:sp>
+        <p:nvSpPr>
+          <p:cNvPr id="131" name="Google Shape;131;p25"/>
+          <p:cNvSpPr txBox="1"/>
+          <p:nvPr/>
+        </p:nvSpPr>
+        <p:spPr>
+          <a:xfrm>
+            <a:off x="7595050" y="6357300"/>
+            <a:ext cx="1548900" cy="500700"/>
+          </a:xfrm>
+          <a:prstGeom prst="rect">
+            <a:avLst/>
+          </a:prstGeom>
+          <a:noFill/>
+          <a:ln>
+            <a:noFill/>
+          </a:ln>
+        </p:spPr>
+        <p:txBody>
+          <a:bodyPr spcFirstLastPara="1" wrap="square" lIns="91425" tIns="91425" rIns="91425" bIns="91425" anchor="ctr" anchorCtr="0">
+            <a:noAutofit/>
+          </a:bodyPr>
+          <a:lstStyle/>
+          <a:p>
+            <a:pPr>
+              <a:buClr>
+                <a:schemeClr val="lt1"/>
+              </a:buClr>
+              <a:buSzPts val="3200"/>
+            </a:pPr>
+            <a:r>
+              <a:rPr lang="en-GB" sz="3600" b="1" i="1" dirty="0">
+                <a:solidFill>
+                  <a:srgbClr val="FFFF00"/>
+                </a:solidFill>
+                <a:latin typeface="Calibri"/>
+                <a:ea typeface="Calibri"/>
+                <a:cs typeface="Calibri"/>
+                <a:sym typeface="Calibri"/>
+              </a:rPr>
+              <a:t>contd..</a:t>
+            </a:r>
+            <a:endParaRPr lang="en-GB" sz="3600" dirty="0">
+              <a:latin typeface="Calibri"/>
+              <a:ea typeface="Calibri"/>
+              <a:cs typeface="Calibri"/>
+              <a:sym typeface="Calibri"/>
+            </a:endParaRPr>
+          </a:p>
+        </p:txBody>
+      </p:sp>
+    </p:spTree>
+    <p:extLst>
+      <p:ext uri="{BB962C8B-B14F-4D97-AF65-F5344CB8AC3E}">
+        <p14:creationId xmlns:p14="http://schemas.microsoft.com/office/powerpoint/2010/main" val="17082041"/>
+      </p:ext>
+    </p:extLst>
+  </p:cSld>
+  <p:clrMapOvr>
+    <a:masterClrMapping/>
+  </p:clrMapOvr>
+</p:sld>
+</file>
+
+<file path=ppt/slides/slide3.xml><?xml version="1.0" encoding="utf-8"?>
+<p:sld xmlns:a="http://schemas.openxmlformats.org/drawingml/2006/main" xmlns:r="http://schemas.openxmlformats.org/officeDocument/2006/relationships" xmlns:p="http://schemas.openxmlformats.org/presentationml/2006/main">
+  <p:cSld>
+    <p:bg>
+      <p:bgPr>
+        <a:solidFill>
+          <a:schemeClr val="dk1"/>
+        </a:solidFill>
+        <a:effectLst/>
+      </p:bgPr>
+    </p:bg>
+    <p:spTree>
+      <p:nvGrpSpPr>
+        <p:cNvPr id="1" name="Shape 128"/>
+        <p:cNvGrpSpPr/>
+        <p:nvPr/>
+      </p:nvGrpSpPr>
+      <p:grpSpPr>
+        <a:xfrm>
+          <a:off x="0" y="0"/>
+          <a:ext cx="0" cy="0"/>
+          <a:chOff x="0" y="0"/>
+          <a:chExt cx="0" cy="0"/>
+        </a:xfrm>
+      </p:grpSpPr>
+      <p:sp>
+        <p:nvSpPr>
+          <p:cNvPr id="129" name="Google Shape;129;p25"/>
+          <p:cNvSpPr txBox="1">
+            <a:spLocks noGrp="1"/>
+          </p:cNvSpPr>
+          <p:nvPr>
+            <p:ph type="title"/>
+          </p:nvPr>
+        </p:nvSpPr>
+        <p:spPr>
+          <a:xfrm>
+            <a:off x="61050" y="0"/>
+            <a:ext cx="9021900" cy="708300"/>
+          </a:xfrm>
+          <a:prstGeom prst="rect">
+            <a:avLst/>
+          </a:prstGeom>
+          <a:noFill/>
+          <a:ln>
+            <a:noFill/>
+          </a:ln>
+        </p:spPr>
+        <p:txBody>
+          <a:bodyPr spcFirstLastPara="1" wrap="square" lIns="91425" tIns="45700" rIns="91425" bIns="45700" anchor="ctr" anchorCtr="0">
+            <a:noAutofit/>
+          </a:bodyPr>
+          <a:lstStyle/>
+          <a:p>
+            <a:pPr marL="171450" algn="l"/>
+            <a:r>
+              <a:rPr lang="en-GB" sz="3200" b="1" u="sng" dirty="0">
+                <a:solidFill>
+                  <a:schemeClr val="bg1"/>
+                </a:solidFill>
+              </a:rPr>
+              <a:t>A NEW COMMANDMENT</a:t>
+            </a:r>
+          </a:p>
+        </p:txBody>
+      </p:sp>
+      <p:sp>
+        <p:nvSpPr>
+          <p:cNvPr id="130" name="Google Shape;130;p25"/>
+          <p:cNvSpPr txBox="1">
+            <a:spLocks noGrp="1"/>
+          </p:cNvSpPr>
+          <p:nvPr>
+            <p:ph type="body" idx="1"/>
+          </p:nvPr>
+        </p:nvSpPr>
+        <p:spPr>
+          <a:xfrm>
+            <a:off x="51350" y="762925"/>
+            <a:ext cx="9021900" cy="6039300"/>
+          </a:xfrm>
+          <a:prstGeom prst="rect">
+            <a:avLst/>
+          </a:prstGeom>
+          <a:noFill/>
+          <a:ln>
+            <a:noFill/>
+          </a:ln>
+        </p:spPr>
+        <p:txBody>
+          <a:bodyPr spcFirstLastPara="1" wrap="square" lIns="0" tIns="0" rIns="0" bIns="0" anchor="t" anchorCtr="0">
+            <a:noAutofit/>
+          </a:bodyPr>
+          <a:lstStyle/>
+          <a:p>
+            <a:pPr marL="114300" indent="0">
+              <a:lnSpc>
+                <a:spcPct val="100000"/>
+              </a:lnSpc>
+              <a:spcBef>
+                <a:spcPct val="0"/>
+              </a:spcBef>
+              <a:spcAft>
+                <a:spcPct val="0"/>
+              </a:spcAft>
+              <a:buNone/>
+            </a:pPr>
+            <a:r>
+              <a:rPr lang="en-GB" sz="4000" b="1" i="1" dirty="0">
+                <a:solidFill>
+                  <a:schemeClr val="bg1"/>
+                </a:solidFill>
+                <a:latin typeface="Calibri" panose="020F0502020204030204" pitchFamily="34" charset="0"/>
+                <a:ea typeface="Calibri" panose="020F0502020204030204" pitchFamily="34" charset="0"/>
+                <a:cs typeface="Calibri" panose="020F0502020204030204" pitchFamily="34" charset="0"/>
+              </a:rPr>
+              <a:t>A new commandment, I give unto you,</a:t>
+            </a:r>
+          </a:p>
+          <a:p>
+            <a:pPr marL="114300" indent="0">
+              <a:lnSpc>
+                <a:spcPct val="100000"/>
+              </a:lnSpc>
+              <a:spcBef>
+                <a:spcPct val="0"/>
+              </a:spcBef>
+              <a:spcAft>
+                <a:spcPct val="0"/>
+              </a:spcAft>
+              <a:buNone/>
+            </a:pPr>
+            <a:r>
+              <a:rPr lang="en-GB" sz="4000" b="1" i="1" dirty="0">
+                <a:solidFill>
+                  <a:schemeClr val="bg1"/>
+                </a:solidFill>
+                <a:latin typeface="Calibri" panose="020F0502020204030204" pitchFamily="34" charset="0"/>
+                <a:ea typeface="Calibri" panose="020F0502020204030204" pitchFamily="34" charset="0"/>
+                <a:cs typeface="Calibri" panose="020F0502020204030204" pitchFamily="34" charset="0"/>
+              </a:rPr>
+              <a:t>That you love one another,</a:t>
+            </a:r>
+          </a:p>
+          <a:p>
+            <a:pPr marL="114300" indent="0">
+              <a:lnSpc>
+                <a:spcPct val="100000"/>
+              </a:lnSpc>
+              <a:spcBef>
+                <a:spcPct val="0"/>
+              </a:spcBef>
+              <a:spcAft>
+                <a:spcPct val="0"/>
+              </a:spcAft>
+              <a:buNone/>
+            </a:pPr>
+            <a:r>
+              <a:rPr lang="en-GB" sz="4000" b="1" i="1" dirty="0">
+                <a:solidFill>
+                  <a:schemeClr val="bg1"/>
+                </a:solidFill>
+                <a:latin typeface="Calibri" panose="020F0502020204030204" pitchFamily="34" charset="0"/>
+                <a:ea typeface="Calibri" panose="020F0502020204030204" pitchFamily="34" charset="0"/>
+                <a:cs typeface="Calibri" panose="020F0502020204030204" pitchFamily="34" charset="0"/>
+              </a:rPr>
+              <a:t>as I have loved you (2)</a:t>
+            </a:r>
+          </a:p>
+          <a:p>
+            <a:pPr marL="114300" indent="0">
+              <a:lnSpc>
+                <a:spcPct val="100000"/>
+              </a:lnSpc>
+              <a:spcBef>
+                <a:spcPct val="0"/>
+              </a:spcBef>
+              <a:spcAft>
+                <a:spcPct val="0"/>
+              </a:spcAft>
+              <a:buNone/>
+            </a:pPr>
+            <a:endParaRPr lang="en-GB" sz="4000" b="1" i="1" dirty="0">
+              <a:solidFill>
+                <a:schemeClr val="bg1"/>
+              </a:solidFill>
+              <a:latin typeface="Calibri" panose="020F0502020204030204" pitchFamily="34" charset="0"/>
+              <a:ea typeface="Calibri" panose="020F0502020204030204" pitchFamily="34" charset="0"/>
+              <a:cs typeface="Calibri" panose="020F0502020204030204" pitchFamily="34" charset="0"/>
+            </a:endParaRPr>
+          </a:p>
+          <a:p>
+            <a:pPr marL="114300" indent="0">
+              <a:lnSpc>
+                <a:spcPct val="100000"/>
+              </a:lnSpc>
+              <a:spcBef>
+                <a:spcPct val="0"/>
+              </a:spcBef>
+              <a:spcAft>
+                <a:spcPct val="0"/>
+              </a:spcAft>
+              <a:buNone/>
+            </a:pPr>
+            <a:endParaRPr lang="en-GB" sz="4000" b="1" i="1" dirty="0">
+              <a:solidFill>
+                <a:schemeClr val="bg1"/>
+              </a:solidFill>
+              <a:latin typeface="Calibri" panose="020F0502020204030204" pitchFamily="34" charset="0"/>
+              <a:ea typeface="Calibri" panose="020F0502020204030204" pitchFamily="34" charset="0"/>
+              <a:cs typeface="Calibri" panose="020F0502020204030204" pitchFamily="34" charset="0"/>
+            </a:endParaRPr>
+          </a:p>
+          <a:p>
+            <a:pPr marL="114300" indent="0">
+              <a:lnSpc>
+                <a:spcPct val="100000"/>
+              </a:lnSpc>
+              <a:spcBef>
+                <a:spcPct val="0"/>
+              </a:spcBef>
+              <a:spcAft>
+                <a:spcPct val="0"/>
+              </a:spcAft>
+              <a:buNone/>
+            </a:pPr>
+            <a:r>
+              <a:rPr lang="en-GB" sz="4000" b="1" dirty="0">
+                <a:solidFill>
+                  <a:schemeClr val="bg1"/>
+                </a:solidFill>
+                <a:latin typeface="Calibri" panose="020F0502020204030204" pitchFamily="34" charset="0"/>
+                <a:ea typeface="Calibri" panose="020F0502020204030204" pitchFamily="34" charset="0"/>
+                <a:cs typeface="Calibri" panose="020F0502020204030204" pitchFamily="34" charset="0"/>
+              </a:rPr>
+              <a:t>I am the true vine;</a:t>
+            </a:r>
+          </a:p>
+          <a:p>
+            <a:pPr marL="114300" indent="0">
+              <a:lnSpc>
+                <a:spcPct val="100000"/>
+              </a:lnSpc>
+              <a:spcBef>
+                <a:spcPct val="0"/>
+              </a:spcBef>
+              <a:spcAft>
+                <a:spcPct val="0"/>
+              </a:spcAft>
+              <a:buNone/>
+            </a:pPr>
+            <a:r>
+              <a:rPr lang="en-GB" sz="4000" b="1" dirty="0">
+                <a:solidFill>
+                  <a:schemeClr val="bg1"/>
+                </a:solidFill>
+                <a:latin typeface="Calibri" panose="020F0502020204030204" pitchFamily="34" charset="0"/>
+                <a:ea typeface="Calibri" panose="020F0502020204030204" pitchFamily="34" charset="0"/>
+                <a:cs typeface="Calibri" panose="020F0502020204030204" pitchFamily="34" charset="0"/>
+              </a:rPr>
+              <a:t>My father is the gardener,</a:t>
+            </a:r>
+          </a:p>
+          <a:p>
+            <a:pPr marL="114300" indent="0">
+              <a:lnSpc>
+                <a:spcPct val="100000"/>
+              </a:lnSpc>
+              <a:spcBef>
+                <a:spcPct val="0"/>
+              </a:spcBef>
+              <a:spcAft>
+                <a:spcPct val="0"/>
+              </a:spcAft>
+              <a:buNone/>
+            </a:pPr>
+            <a:r>
+              <a:rPr lang="en-GB" sz="4000" b="1" dirty="0">
+                <a:solidFill>
+                  <a:schemeClr val="bg1"/>
+                </a:solidFill>
+                <a:latin typeface="Calibri" panose="020F0502020204030204" pitchFamily="34" charset="0"/>
+                <a:ea typeface="Calibri" panose="020F0502020204030204" pitchFamily="34" charset="0"/>
+                <a:cs typeface="Calibri" panose="020F0502020204030204" pitchFamily="34" charset="0"/>
+              </a:rPr>
+              <a:t>Abide in me, I will be with you.</a:t>
+            </a:r>
+          </a:p>
+        </p:txBody>
+      </p:sp>
+      <p:sp>
+        <p:nvSpPr>
+          <p:cNvPr id="131" name="Google Shape;131;p25"/>
+          <p:cNvSpPr txBox="1"/>
+          <p:nvPr/>
+        </p:nvSpPr>
+        <p:spPr>
+          <a:xfrm>
+            <a:off x="7595050" y="6357300"/>
+            <a:ext cx="1548900" cy="500700"/>
+          </a:xfrm>
+          <a:prstGeom prst="rect">
+            <a:avLst/>
+          </a:prstGeom>
+          <a:noFill/>
+          <a:ln>
+            <a:noFill/>
+          </a:ln>
+        </p:spPr>
+        <p:txBody>
+          <a:bodyPr spcFirstLastPara="1" wrap="square" lIns="91425" tIns="91425" rIns="91425" bIns="91425" anchor="ctr" anchorCtr="0">
+            <a:noAutofit/>
+          </a:bodyPr>
+          <a:lstStyle/>
+          <a:p>
+            <a:pPr>
+              <a:buClr>
+                <a:schemeClr val="lt1"/>
+              </a:buClr>
+              <a:buSzPts val="3200"/>
+            </a:pPr>
+            <a:endParaRPr lang="en-GB" sz="3600" dirty="0">
+              <a:latin typeface="Calibri"/>
+              <a:ea typeface="Calibri"/>
+              <a:cs typeface="Calibri"/>
+              <a:sym typeface="Calibri"/>
+            </a:endParaRPr>
+          </a:p>
+        </p:txBody>
+      </p:sp>
+    </p:spTree>
+    <p:extLst>
+      <p:ext uri="{BB962C8B-B14F-4D97-AF65-F5344CB8AC3E}">
+        <p14:creationId xmlns:p14="http://schemas.microsoft.com/office/powerpoint/2010/main" val="1728675794"/>
+      </p:ext>
+    </p:extLst>
   </p:cSld>
   <p:clrMapOvr>
     <a:masterClrMapping/>

--- a/database/slides/A_NEW_COMMANDMENT.pptx
+++ b/database/slides/A_NEW_COMMANDMENT.pptx
@@ -15908,7 +15908,13 @@
       </p:sp>
       <p:sp>
         <p:nvSpPr>
-          <p:cNvPr id="131" name="Google Shape;131;p25"/>
+          <p:cNvPr id="2" name="Google Shape;131;p25">
+            <a:extLst>
+              <a:ext uri="{FF2B5EF4-FFF2-40B4-BE49-F238E27FC236}">
+                <a16:creationId xmlns:a16="http://schemas.microsoft.com/office/drawing/2014/main" id="{EBA9BD77-E312-FE30-E4AC-8037442EF07E}"/>
+              </a:ext>
+            </a:extLst>
+          </p:cNvPr>
           <p:cNvSpPr txBox="1"/>
           <p:nvPr/>
         </p:nvSpPr>
@@ -15931,14 +15937,22 @@
           </a:bodyPr>
           <a:lstStyle/>
           <a:p>
-            <a:pPr>
+            <a:pPr marL="0" lvl="0" indent="0" algn="l" rtl="0">
+              <a:spcBef>
+                <a:spcPts val="0"/>
+              </a:spcBef>
+              <a:spcAft>
+                <a:spcPts val="0"/>
+              </a:spcAft>
               <a:buClr>
                 <a:schemeClr val="lt1"/>
               </a:buClr>
               <a:buSzPts val="3200"/>
+              <a:buFont typeface="Arial"/>
+              <a:buNone/>
             </a:pPr>
             <a:r>
-              <a:rPr lang="en-GB" sz="3600" b="1" i="1" dirty="0">
+              <a:rPr lang="en-GB" sz="3600" b="1" i="1">
                 <a:solidFill>
                   <a:srgbClr val="FFFF00"/>
                 </a:solidFill>
@@ -15949,7 +15963,7 @@
               </a:rPr>
               <a:t>contd..</a:t>
             </a:r>
-            <a:endParaRPr lang="en-GB" sz="3600" dirty="0">
+            <a:endParaRPr sz="3600">
               <a:latin typeface="Calibri"/>
               <a:ea typeface="Calibri"/>
               <a:cs typeface="Calibri"/>
@@ -16263,7 +16277,13 @@
       </p:sp>
       <p:sp>
         <p:nvSpPr>
-          <p:cNvPr id="131" name="Google Shape;131;p25"/>
+          <p:cNvPr id="2" name="Google Shape;131;p25">
+            <a:extLst>
+              <a:ext uri="{FF2B5EF4-FFF2-40B4-BE49-F238E27FC236}">
+                <a16:creationId xmlns:a16="http://schemas.microsoft.com/office/drawing/2014/main" id="{DF33B36F-2B09-E9AA-5873-1F09862AAFB8}"/>
+              </a:ext>
+            </a:extLst>
+          </p:cNvPr>
           <p:cNvSpPr txBox="1"/>
           <p:nvPr/>
         </p:nvSpPr>
@@ -16286,14 +16306,22 @@
           </a:bodyPr>
           <a:lstStyle/>
           <a:p>
-            <a:pPr>
+            <a:pPr marL="0" lvl="0" indent="0" algn="l" rtl="0">
+              <a:spcBef>
+                <a:spcPts val="0"/>
+              </a:spcBef>
+              <a:spcAft>
+                <a:spcPts val="0"/>
+              </a:spcAft>
               <a:buClr>
                 <a:schemeClr val="lt1"/>
               </a:buClr>
               <a:buSzPts val="3200"/>
+              <a:buFont typeface="Arial"/>
+              <a:buNone/>
             </a:pPr>
             <a:r>
-              <a:rPr lang="en-GB" sz="3600" b="1" i="1" dirty="0">
+              <a:rPr lang="en-GB" sz="3600" b="1" i="1">
                 <a:solidFill>
                   <a:srgbClr val="FFFF00"/>
                 </a:solidFill>
@@ -16304,7 +16332,7 @@
               </a:rPr>
               <a:t>contd..</a:t>
             </a:r>
-            <a:endParaRPr lang="en-GB" sz="3600" dirty="0">
+            <a:endParaRPr sz="3600">
               <a:latin typeface="Calibri"/>
               <a:ea typeface="Calibri"/>
               <a:cs typeface="Calibri"/>
